--- a/设计图.pptx
+++ b/设计图.pptx
@@ -12103,7 +12103,7 @@
           <a:p>
             <a:r>
               <a:rPr lang="zh-CN" altLang="en-US" dirty="0"/>
-              <a:t>分布式服务注册框架</a:t>
+              <a:t>服务注册框架</a:t>
             </a:r>
           </a:p>
         </p:txBody>
@@ -16813,7 +16813,7 @@
           <p:nvPr>
             <p:extLst>
               <p:ext uri="{D42A27DB-BD31-4B8C-83A1-F6EECF244321}">
-                <p14:modId xmlns:p14="http://schemas.microsoft.com/office/powerpoint/2010/main" val="1308455935"/>
+                <p14:modId xmlns:p14="http://schemas.microsoft.com/office/powerpoint/2010/main" val="3631341740"/>
               </p:ext>
             </p:extLst>
           </p:nvPr>

--- a/设计图.pptx
+++ b/设计图.pptx
@@ -8984,7 +8984,7 @@
           <a:p>
             <a:fld id="{6279EB54-5F57-4711-BF22-931FBFEA9000}" type="datetimeFigureOut">
               <a:rPr lang="zh-CN" altLang="en-US" smtClean="0"/>
-              <a:t>2020/3/1</a:t>
+              <a:t>2020/3/13</a:t>
             </a:fld>
             <a:endParaRPr lang="zh-CN" altLang="en-US"/>
           </a:p>
@@ -9182,7 +9182,7 @@
           <a:p>
             <a:fld id="{6279EB54-5F57-4711-BF22-931FBFEA9000}" type="datetimeFigureOut">
               <a:rPr lang="zh-CN" altLang="en-US" smtClean="0"/>
-              <a:t>2020/3/1</a:t>
+              <a:t>2020/3/13</a:t>
             </a:fld>
             <a:endParaRPr lang="zh-CN" altLang="en-US"/>
           </a:p>
@@ -9390,7 +9390,7 @@
           <a:p>
             <a:fld id="{6279EB54-5F57-4711-BF22-931FBFEA9000}" type="datetimeFigureOut">
               <a:rPr lang="zh-CN" altLang="en-US" smtClean="0"/>
-              <a:t>2020/3/1</a:t>
+              <a:t>2020/3/13</a:t>
             </a:fld>
             <a:endParaRPr lang="zh-CN" altLang="en-US"/>
           </a:p>
@@ -9588,7 +9588,7 @@
           <a:p>
             <a:fld id="{6279EB54-5F57-4711-BF22-931FBFEA9000}" type="datetimeFigureOut">
               <a:rPr lang="zh-CN" altLang="en-US" smtClean="0"/>
-              <a:t>2020/3/1</a:t>
+              <a:t>2020/3/13</a:t>
             </a:fld>
             <a:endParaRPr lang="zh-CN" altLang="en-US"/>
           </a:p>
@@ -9863,7 +9863,7 @@
           <a:p>
             <a:fld id="{6279EB54-5F57-4711-BF22-931FBFEA9000}" type="datetimeFigureOut">
               <a:rPr lang="zh-CN" altLang="en-US" smtClean="0"/>
-              <a:t>2020/3/1</a:t>
+              <a:t>2020/3/13</a:t>
             </a:fld>
             <a:endParaRPr lang="zh-CN" altLang="en-US"/>
           </a:p>
@@ -10128,7 +10128,7 @@
           <a:p>
             <a:fld id="{6279EB54-5F57-4711-BF22-931FBFEA9000}" type="datetimeFigureOut">
               <a:rPr lang="zh-CN" altLang="en-US" smtClean="0"/>
-              <a:t>2020/3/1</a:t>
+              <a:t>2020/3/13</a:t>
             </a:fld>
             <a:endParaRPr lang="zh-CN" altLang="en-US"/>
           </a:p>
@@ -10540,7 +10540,7 @@
           <a:p>
             <a:fld id="{6279EB54-5F57-4711-BF22-931FBFEA9000}" type="datetimeFigureOut">
               <a:rPr lang="zh-CN" altLang="en-US" smtClean="0"/>
-              <a:t>2020/3/1</a:t>
+              <a:t>2020/3/13</a:t>
             </a:fld>
             <a:endParaRPr lang="zh-CN" altLang="en-US"/>
           </a:p>
@@ -10681,7 +10681,7 @@
           <a:p>
             <a:fld id="{6279EB54-5F57-4711-BF22-931FBFEA9000}" type="datetimeFigureOut">
               <a:rPr lang="zh-CN" altLang="en-US" smtClean="0"/>
-              <a:t>2020/3/1</a:t>
+              <a:t>2020/3/13</a:t>
             </a:fld>
             <a:endParaRPr lang="zh-CN" altLang="en-US"/>
           </a:p>
@@ -10794,7 +10794,7 @@
           <a:p>
             <a:fld id="{6279EB54-5F57-4711-BF22-931FBFEA9000}" type="datetimeFigureOut">
               <a:rPr lang="zh-CN" altLang="en-US" smtClean="0"/>
-              <a:t>2020/3/1</a:t>
+              <a:t>2020/3/13</a:t>
             </a:fld>
             <a:endParaRPr lang="zh-CN" altLang="en-US"/>
           </a:p>
@@ -11105,7 +11105,7 @@
           <a:p>
             <a:fld id="{6279EB54-5F57-4711-BF22-931FBFEA9000}" type="datetimeFigureOut">
               <a:rPr lang="zh-CN" altLang="en-US" smtClean="0"/>
-              <a:t>2020/3/1</a:t>
+              <a:t>2020/3/13</a:t>
             </a:fld>
             <a:endParaRPr lang="zh-CN" altLang="en-US"/>
           </a:p>
@@ -11393,7 +11393,7 @@
           <a:p>
             <a:fld id="{6279EB54-5F57-4711-BF22-931FBFEA9000}" type="datetimeFigureOut">
               <a:rPr lang="zh-CN" altLang="en-US" smtClean="0"/>
-              <a:t>2020/3/1</a:t>
+              <a:t>2020/3/13</a:t>
             </a:fld>
             <a:endParaRPr lang="zh-CN" altLang="en-US"/>
           </a:p>
@@ -11634,7 +11634,7 @@
           <a:p>
             <a:fld id="{6279EB54-5F57-4711-BF22-931FBFEA9000}" type="datetimeFigureOut">
               <a:rPr lang="zh-CN" altLang="en-US" smtClean="0"/>
-              <a:t>2020/3/1</a:t>
+              <a:t>2020/3/13</a:t>
             </a:fld>
             <a:endParaRPr lang="zh-CN" altLang="en-US"/>
           </a:p>
